--- a/15_Ch09_WebDev.pptx
+++ b/15_Ch09_WebDev.pptx
@@ -3624,7 +3624,7 @@
         </p:blipFill>
         <p:spPr>
           <a:xfrm>
-            <a:off x="427043" y="1776412"/>
+            <a:off x="467544" y="1895546"/>
             <a:ext cx="6000161" cy="2936609"/>
           </a:xfrm>
           <a:prstGeom prst="rect">
